--- a/web-dt.pptx
+++ b/web-dt.pptx
@@ -119,6 +119,11 @@
       </a:defRPr>
     </a:lvl9pPr>
   </p:defaultTextStyle>
+  <p:extLst>
+    <p:ext uri="{EFAFB233-063F-42B5-8137-9DF3F51BA10A}">
+      <p15:sldGuideLst xmlns:p15="http://schemas.microsoft.com/office/powerpoint/2012/main"/>
+    </p:ext>
+  </p:extLst>
 </p:presentation>
 </file>
 
@@ -204,7 +209,7 @@
           <a:p>
             <a:fld id="{37E88A8F-261D-47FA-BFF6-3E79F9B6B6C2}" type="datetimeFigureOut">
               <a:rPr lang="en-US" smtClean="0"/>
-              <a:t>5/17/2022</a:t>
+              <a:t>5/20/2022</a:t>
             </a:fld>
             <a:endParaRPr lang="en-US"/>
           </a:p>
@@ -522,7 +527,7 @@
           <a:noFill/>
           <a:extLst>
             <a:ext uri="{909E8E84-426E-40dd-AFC4-6F175D3DCCD1}">
-              <a14:hiddenFill xmlns:a14="http://schemas.microsoft.com/office/drawing/2010/main" xmlns="">
+              <a14:hiddenFill xmlns="" xmlns:a14="http://schemas.microsoft.com/office/drawing/2010/main">
                 <a:solidFill>
                   <a:srgbClr val="FFFFFF"/>
                 </a:solidFill>
@@ -582,7 +587,7 @@
             </a:ln>
             <a:extLst>
               <a:ext uri="{91240B29-F687-4f45-9708-019B960494DF}">
-                <a14:hiddenLine xmlns:a14="http://schemas.microsoft.com/office/drawing/2010/main" xmlns="" w="9525">
+                <a14:hiddenLine xmlns="" xmlns:a14="http://schemas.microsoft.com/office/drawing/2010/main" w="9525">
                   <a:solidFill>
                     <a:srgbClr val="000000"/>
                   </a:solidFill>
@@ -672,7 +677,7 @@
             </a:ln>
             <a:extLst>
               <a:ext uri="{91240B29-F687-4f45-9708-019B960494DF}">
-                <a14:hiddenLine xmlns:a14="http://schemas.microsoft.com/office/drawing/2010/main" xmlns="" w="9525">
+                <a14:hiddenLine xmlns="" xmlns:a14="http://schemas.microsoft.com/office/drawing/2010/main" w="9525">
                   <a:solidFill>
                     <a:srgbClr val="000000"/>
                   </a:solidFill>
@@ -762,7 +767,7 @@
             </a:ln>
             <a:extLst>
               <a:ext uri="{91240B29-F687-4f45-9708-019B960494DF}">
-                <a14:hiddenLine xmlns:a14="http://schemas.microsoft.com/office/drawing/2010/main" xmlns="" w="9525">
+                <a14:hiddenLine xmlns="" xmlns:a14="http://schemas.microsoft.com/office/drawing/2010/main" w="9525">
                   <a:solidFill>
                     <a:srgbClr val="000000"/>
                   </a:solidFill>
@@ -796,7 +801,7 @@
             </a:ln>
             <a:extLst>
               <a:ext uri="{91240B29-F687-4f45-9708-019B960494DF}">
-                <a14:hiddenLine xmlns:a14="http://schemas.microsoft.com/office/drawing/2010/main" xmlns="" w="9525">
+                <a14:hiddenLine xmlns="" xmlns:a14="http://schemas.microsoft.com/office/drawing/2010/main" w="9525">
                   <a:solidFill>
                     <a:srgbClr val="000000"/>
                   </a:solidFill>
@@ -886,7 +891,7 @@
             </a:ln>
             <a:extLst>
               <a:ext uri="{91240B29-F687-4f45-9708-019B960494DF}">
-                <a14:hiddenLine xmlns:a14="http://schemas.microsoft.com/office/drawing/2010/main" xmlns="" w="9525">
+                <a14:hiddenLine xmlns="" xmlns:a14="http://schemas.microsoft.com/office/drawing/2010/main" w="9525">
                   <a:solidFill>
                     <a:srgbClr val="000000"/>
                   </a:solidFill>
@@ -948,7 +953,7 @@
             </a:ln>
             <a:extLst>
               <a:ext uri="{91240B29-F687-4f45-9708-019B960494DF}">
-                <a14:hiddenLine xmlns:a14="http://schemas.microsoft.com/office/drawing/2010/main" xmlns="" w="9525">
+                <a14:hiddenLine xmlns="" xmlns:a14="http://schemas.microsoft.com/office/drawing/2010/main" w="9525">
                   <a:solidFill>
                     <a:srgbClr val="000000"/>
                   </a:solidFill>
@@ -1010,7 +1015,7 @@
             </a:ln>
             <a:extLst>
               <a:ext uri="{91240B29-F687-4f45-9708-019B960494DF}">
-                <a14:hiddenLine xmlns:a14="http://schemas.microsoft.com/office/drawing/2010/main" xmlns="" w="9525">
+                <a14:hiddenLine xmlns="" xmlns:a14="http://schemas.microsoft.com/office/drawing/2010/main" w="9525">
                   <a:solidFill>
                     <a:srgbClr val="000000"/>
                   </a:solidFill>
@@ -1100,7 +1105,7 @@
             </a:ln>
             <a:extLst>
               <a:ext uri="{91240B29-F687-4f45-9708-019B960494DF}">
-                <a14:hiddenLine xmlns:a14="http://schemas.microsoft.com/office/drawing/2010/main" xmlns="" w="9525">
+                <a14:hiddenLine xmlns="" xmlns:a14="http://schemas.microsoft.com/office/drawing/2010/main" w="9525">
                   <a:solidFill>
                     <a:srgbClr val="000000"/>
                   </a:solidFill>
@@ -1162,7 +1167,7 @@
             </a:ln>
             <a:extLst>
               <a:ext uri="{91240B29-F687-4f45-9708-019B960494DF}">
-                <a14:hiddenLine xmlns:a14="http://schemas.microsoft.com/office/drawing/2010/main" xmlns="" w="9525">
+                <a14:hiddenLine xmlns="" xmlns:a14="http://schemas.microsoft.com/office/drawing/2010/main" w="9525">
                   <a:solidFill>
                     <a:srgbClr val="000000"/>
                   </a:solidFill>
@@ -1224,7 +1229,7 @@
             </a:ln>
             <a:extLst>
               <a:ext uri="{91240B29-F687-4f45-9708-019B960494DF}">
-                <a14:hiddenLine xmlns:a14="http://schemas.microsoft.com/office/drawing/2010/main" xmlns="" w="9525">
+                <a14:hiddenLine xmlns="" xmlns:a14="http://schemas.microsoft.com/office/drawing/2010/main" w="9525">
                   <a:solidFill>
                     <a:srgbClr val="000000"/>
                   </a:solidFill>
@@ -1314,7 +1319,7 @@
             </a:ln>
             <a:extLst>
               <a:ext uri="{91240B29-F687-4f45-9708-019B960494DF}">
-                <a14:hiddenLine xmlns:a14="http://schemas.microsoft.com/office/drawing/2010/main" xmlns="" w="9525">
+                <a14:hiddenLine xmlns="" xmlns:a14="http://schemas.microsoft.com/office/drawing/2010/main" w="9525">
                   <a:solidFill>
                     <a:srgbClr val="000000"/>
                   </a:solidFill>
@@ -1404,7 +1409,7 @@
             </a:ln>
             <a:extLst>
               <a:ext uri="{91240B29-F687-4f45-9708-019B960494DF}">
-                <a14:hiddenLine xmlns:a14="http://schemas.microsoft.com/office/drawing/2010/main" xmlns="" w="9525">
+                <a14:hiddenLine xmlns="" xmlns:a14="http://schemas.microsoft.com/office/drawing/2010/main" w="9525">
                   <a:solidFill>
                     <a:srgbClr val="000000"/>
                   </a:solidFill>
@@ -1466,7 +1471,7 @@
             </a:ln>
             <a:extLst>
               <a:ext uri="{91240B29-F687-4f45-9708-019B960494DF}">
-                <a14:hiddenLine xmlns:a14="http://schemas.microsoft.com/office/drawing/2010/main" xmlns="" w="9525">
+                <a14:hiddenLine xmlns="" xmlns:a14="http://schemas.microsoft.com/office/drawing/2010/main" w="9525">
                   <a:solidFill>
                     <a:srgbClr val="000000"/>
                   </a:solidFill>
@@ -1576,7 +1581,7 @@
             </a:ln>
             <a:extLst>
               <a:ext uri="{91240B29-F687-4f45-9708-019B960494DF}">
-                <a14:hiddenLine xmlns:a14="http://schemas.microsoft.com/office/drawing/2010/main" xmlns="" w="9525">
+                <a14:hiddenLine xmlns="" xmlns:a14="http://schemas.microsoft.com/office/drawing/2010/main" w="9525">
                   <a:solidFill>
                     <a:srgbClr val="000000"/>
                   </a:solidFill>
@@ -1638,7 +1643,7 @@
             </a:ln>
             <a:extLst>
               <a:ext uri="{91240B29-F687-4f45-9708-019B960494DF}">
-                <a14:hiddenLine xmlns:a14="http://schemas.microsoft.com/office/drawing/2010/main" xmlns="" w="9525">
+                <a14:hiddenLine xmlns="" xmlns:a14="http://schemas.microsoft.com/office/drawing/2010/main" w="9525">
                   <a:solidFill>
                     <a:srgbClr val="000000"/>
                   </a:solidFill>
@@ -1728,7 +1733,7 @@
             </a:ln>
             <a:extLst>
               <a:ext uri="{91240B29-F687-4f45-9708-019B960494DF}">
-                <a14:hiddenLine xmlns:a14="http://schemas.microsoft.com/office/drawing/2010/main" xmlns="" w="9525">
+                <a14:hiddenLine xmlns="" xmlns:a14="http://schemas.microsoft.com/office/drawing/2010/main" w="9525">
                   <a:solidFill>
                     <a:srgbClr val="000000"/>
                   </a:solidFill>
@@ -1818,7 +1823,7 @@
             </a:ln>
             <a:extLst>
               <a:ext uri="{91240B29-F687-4f45-9708-019B960494DF}">
-                <a14:hiddenLine xmlns:a14="http://schemas.microsoft.com/office/drawing/2010/main" xmlns="" w="9525">
+                <a14:hiddenLine xmlns="" xmlns:a14="http://schemas.microsoft.com/office/drawing/2010/main" w="9525">
                   <a:solidFill>
                     <a:srgbClr val="000000"/>
                   </a:solidFill>
@@ -1880,7 +1885,7 @@
             </a:ln>
             <a:extLst>
               <a:ext uri="{91240B29-F687-4f45-9708-019B960494DF}">
-                <a14:hiddenLine xmlns:a14="http://schemas.microsoft.com/office/drawing/2010/main" xmlns="" w="9525">
+                <a14:hiddenLine xmlns="" xmlns:a14="http://schemas.microsoft.com/office/drawing/2010/main" w="9525">
                   <a:solidFill>
                     <a:srgbClr val="000000"/>
                   </a:solidFill>
@@ -1970,7 +1975,7 @@
             </a:ln>
             <a:extLst>
               <a:ext uri="{91240B29-F687-4f45-9708-019B960494DF}">
-                <a14:hiddenLine xmlns:a14="http://schemas.microsoft.com/office/drawing/2010/main" xmlns="" w="9525">
+                <a14:hiddenLine xmlns="" xmlns:a14="http://schemas.microsoft.com/office/drawing/2010/main" w="9525">
                   <a:solidFill>
                     <a:srgbClr val="000000"/>
                   </a:solidFill>
@@ -2060,7 +2065,7 @@
             </a:ln>
             <a:extLst>
               <a:ext uri="{91240B29-F687-4f45-9708-019B960494DF}">
-                <a14:hiddenLine xmlns:a14="http://schemas.microsoft.com/office/drawing/2010/main" xmlns="" w="9525">
+                <a14:hiddenLine xmlns="" xmlns:a14="http://schemas.microsoft.com/office/drawing/2010/main" w="9525">
                   <a:solidFill>
                     <a:srgbClr val="000000"/>
                   </a:solidFill>
@@ -2116,7 +2121,7 @@
             </a:ln>
             <a:extLst>
               <a:ext uri="{91240B29-F687-4f45-9708-019B960494DF}">
-                <a14:hiddenLine xmlns:a14="http://schemas.microsoft.com/office/drawing/2010/main" xmlns="" w="9525">
+                <a14:hiddenLine xmlns="" xmlns:a14="http://schemas.microsoft.com/office/drawing/2010/main" w="9525">
                   <a:solidFill>
                     <a:srgbClr val="000000"/>
                   </a:solidFill>
@@ -2206,7 +2211,7 @@
             </a:ln>
             <a:extLst>
               <a:ext uri="{91240B29-F687-4f45-9708-019B960494DF}">
-                <a14:hiddenLine xmlns:a14="http://schemas.microsoft.com/office/drawing/2010/main" xmlns="" w="9525">
+                <a14:hiddenLine xmlns="" xmlns:a14="http://schemas.microsoft.com/office/drawing/2010/main" w="9525">
                   <a:solidFill>
                     <a:srgbClr val="000000"/>
                   </a:solidFill>
@@ -2262,7 +2267,7 @@
             </a:ln>
             <a:extLst>
               <a:ext uri="{91240B29-F687-4f45-9708-019B960494DF}">
-                <a14:hiddenLine xmlns:a14="http://schemas.microsoft.com/office/drawing/2010/main" xmlns="" w="9525">
+                <a14:hiddenLine xmlns="" xmlns:a14="http://schemas.microsoft.com/office/drawing/2010/main" w="9525">
                   <a:solidFill>
                     <a:srgbClr val="000000"/>
                   </a:solidFill>
@@ -2352,7 +2357,7 @@
             </a:ln>
             <a:extLst>
               <a:ext uri="{91240B29-F687-4f45-9708-019B960494DF}">
-                <a14:hiddenLine xmlns:a14="http://schemas.microsoft.com/office/drawing/2010/main" xmlns="" w="9525">
+                <a14:hiddenLine xmlns="" xmlns:a14="http://schemas.microsoft.com/office/drawing/2010/main" w="9525">
                   <a:solidFill>
                     <a:srgbClr val="000000"/>
                   </a:solidFill>
@@ -2420,7 +2425,7 @@
             </a:ln>
             <a:extLst>
               <a:ext uri="{91240B29-F687-4f45-9708-019B960494DF}">
-                <a14:hiddenLine xmlns:a14="http://schemas.microsoft.com/office/drawing/2010/main" xmlns="" w="9525">
+                <a14:hiddenLine xmlns="" xmlns:a14="http://schemas.microsoft.com/office/drawing/2010/main" w="9525">
                   <a:solidFill>
                     <a:srgbClr val="000000"/>
                   </a:solidFill>
@@ -2510,7 +2515,7 @@
             </a:ln>
             <a:extLst>
               <a:ext uri="{91240B29-F687-4f45-9708-019B960494DF}">
-                <a14:hiddenLine xmlns:a14="http://schemas.microsoft.com/office/drawing/2010/main" xmlns="" w="9525">
+                <a14:hiddenLine xmlns="" xmlns:a14="http://schemas.microsoft.com/office/drawing/2010/main" w="9525">
                   <a:solidFill>
                     <a:srgbClr val="000000"/>
                   </a:solidFill>
@@ -2578,7 +2583,7 @@
             </a:ln>
             <a:extLst>
               <a:ext uri="{91240B29-F687-4f45-9708-019B960494DF}">
-                <a14:hiddenLine xmlns:a14="http://schemas.microsoft.com/office/drawing/2010/main" xmlns="" w="9525">
+                <a14:hiddenLine xmlns="" xmlns:a14="http://schemas.microsoft.com/office/drawing/2010/main" w="9525">
                   <a:solidFill>
                     <a:srgbClr val="000000"/>
                   </a:solidFill>
@@ -2668,7 +2673,7 @@
             </a:ln>
             <a:extLst>
               <a:ext uri="{91240B29-F687-4f45-9708-019B960494DF}">
-                <a14:hiddenLine xmlns:a14="http://schemas.microsoft.com/office/drawing/2010/main" xmlns="" w="9525">
+                <a14:hiddenLine xmlns="" xmlns:a14="http://schemas.microsoft.com/office/drawing/2010/main" w="9525">
                   <a:solidFill>
                     <a:srgbClr val="000000"/>
                   </a:solidFill>
@@ -2702,7 +2707,7 @@
             </a:ln>
             <a:extLst>
               <a:ext uri="{91240B29-F687-4f45-9708-019B960494DF}">
-                <a14:hiddenLine xmlns:a14="http://schemas.microsoft.com/office/drawing/2010/main" xmlns="" w="9525">
+                <a14:hiddenLine xmlns="" xmlns:a14="http://schemas.microsoft.com/office/drawing/2010/main" w="9525">
                   <a:solidFill>
                     <a:srgbClr val="000000"/>
                   </a:solidFill>
@@ -2792,7 +2797,7 @@
             </a:ln>
             <a:extLst>
               <a:ext uri="{91240B29-F687-4f45-9708-019B960494DF}">
-                <a14:hiddenLine xmlns:a14="http://schemas.microsoft.com/office/drawing/2010/main" xmlns="" w="9525">
+                <a14:hiddenLine xmlns="" xmlns:a14="http://schemas.microsoft.com/office/drawing/2010/main" w="9525">
                   <a:solidFill>
                     <a:srgbClr val="000000"/>
                   </a:solidFill>
@@ -2854,7 +2859,7 @@
             </a:ln>
             <a:extLst>
               <a:ext uri="{91240B29-F687-4f45-9708-019B960494DF}">
-                <a14:hiddenLine xmlns:a14="http://schemas.microsoft.com/office/drawing/2010/main" xmlns="" w="9525">
+                <a14:hiddenLine xmlns="" xmlns:a14="http://schemas.microsoft.com/office/drawing/2010/main" w="9525">
                   <a:solidFill>
                     <a:srgbClr val="000000"/>
                   </a:solidFill>
@@ -2916,7 +2921,7 @@
             </a:ln>
             <a:extLst>
               <a:ext uri="{91240B29-F687-4f45-9708-019B960494DF}">
-                <a14:hiddenLine xmlns:a14="http://schemas.microsoft.com/office/drawing/2010/main" xmlns="" w="9525">
+                <a14:hiddenLine xmlns="" xmlns:a14="http://schemas.microsoft.com/office/drawing/2010/main" w="9525">
                   <a:solidFill>
                     <a:srgbClr val="000000"/>
                   </a:solidFill>
@@ -3006,7 +3011,7 @@
             </a:ln>
             <a:extLst>
               <a:ext uri="{91240B29-F687-4f45-9708-019B960494DF}">
-                <a14:hiddenLine xmlns:a14="http://schemas.microsoft.com/office/drawing/2010/main" xmlns="" w="9525">
+                <a14:hiddenLine xmlns="" xmlns:a14="http://schemas.microsoft.com/office/drawing/2010/main" w="9525">
                   <a:solidFill>
                     <a:srgbClr val="000000"/>
                   </a:solidFill>
@@ -3074,7 +3079,7 @@
             </a:ln>
             <a:extLst>
               <a:ext uri="{91240B29-F687-4f45-9708-019B960494DF}">
-                <a14:hiddenLine xmlns:a14="http://schemas.microsoft.com/office/drawing/2010/main" xmlns="" w="9525">
+                <a14:hiddenLine xmlns="" xmlns:a14="http://schemas.microsoft.com/office/drawing/2010/main" w="9525">
                   <a:solidFill>
                     <a:srgbClr val="000000"/>
                   </a:solidFill>
@@ -3136,7 +3141,7 @@
             </a:ln>
             <a:extLst>
               <a:ext uri="{91240B29-F687-4f45-9708-019B960494DF}">
-                <a14:hiddenLine xmlns:a14="http://schemas.microsoft.com/office/drawing/2010/main" xmlns="" w="9525">
+                <a14:hiddenLine xmlns="" xmlns:a14="http://schemas.microsoft.com/office/drawing/2010/main" w="9525">
                   <a:solidFill>
                     <a:srgbClr val="000000"/>
                   </a:solidFill>
@@ -3226,7 +3231,7 @@
             </a:ln>
             <a:extLst>
               <a:ext uri="{91240B29-F687-4f45-9708-019B960494DF}">
-                <a14:hiddenLine xmlns:a14="http://schemas.microsoft.com/office/drawing/2010/main" xmlns="" w="9525">
+                <a14:hiddenLine xmlns="" xmlns:a14="http://schemas.microsoft.com/office/drawing/2010/main" w="9525">
                   <a:solidFill>
                     <a:srgbClr val="000000"/>
                   </a:solidFill>
@@ -3288,7 +3293,7 @@
             </a:ln>
             <a:extLst>
               <a:ext uri="{91240B29-F687-4f45-9708-019B960494DF}">
-                <a14:hiddenLine xmlns:a14="http://schemas.microsoft.com/office/drawing/2010/main" xmlns="" w="9525">
+                <a14:hiddenLine xmlns="" xmlns:a14="http://schemas.microsoft.com/office/drawing/2010/main" w="9525">
                   <a:solidFill>
                     <a:srgbClr val="000000"/>
                   </a:solidFill>
@@ -3378,7 +3383,7 @@
             </a:ln>
             <a:extLst>
               <a:ext uri="{91240B29-F687-4f45-9708-019B960494DF}">
-                <a14:hiddenLine xmlns:a14="http://schemas.microsoft.com/office/drawing/2010/main" xmlns="" w="9525">
+                <a14:hiddenLine xmlns="" xmlns:a14="http://schemas.microsoft.com/office/drawing/2010/main" w="9525">
                   <a:solidFill>
                     <a:srgbClr val="000000"/>
                   </a:solidFill>
@@ -3440,7 +3445,7 @@
             </a:ln>
             <a:extLst>
               <a:ext uri="{91240B29-F687-4f45-9708-019B960494DF}">
-                <a14:hiddenLine xmlns:a14="http://schemas.microsoft.com/office/drawing/2010/main" xmlns="" w="9525">
+                <a14:hiddenLine xmlns="" xmlns:a14="http://schemas.microsoft.com/office/drawing/2010/main" w="9525">
                   <a:solidFill>
                     <a:srgbClr val="000000"/>
                   </a:solidFill>
@@ -3530,7 +3535,7 @@
             </a:ln>
             <a:extLst>
               <a:ext uri="{91240B29-F687-4f45-9708-019B960494DF}">
-                <a14:hiddenLine xmlns:a14="http://schemas.microsoft.com/office/drawing/2010/main" xmlns="" w="9525">
+                <a14:hiddenLine xmlns="" xmlns:a14="http://schemas.microsoft.com/office/drawing/2010/main" w="9525">
                   <a:solidFill>
                     <a:srgbClr val="000000"/>
                   </a:solidFill>
@@ -3564,7 +3569,7 @@
             </a:ln>
             <a:extLst>
               <a:ext uri="{91240B29-F687-4f45-9708-019B960494DF}">
-                <a14:hiddenLine xmlns:a14="http://schemas.microsoft.com/office/drawing/2010/main" xmlns="" w="9525">
+                <a14:hiddenLine xmlns="" xmlns:a14="http://schemas.microsoft.com/office/drawing/2010/main" w="9525">
                   <a:solidFill>
                     <a:srgbClr val="000000"/>
                   </a:solidFill>
@@ -3629,7 +3634,7 @@
             </a:ln>
             <a:extLst>
               <a:ext uri="{91240B29-F687-4f45-9708-019B960494DF}">
-                <a14:hiddenLine xmlns:a14="http://schemas.microsoft.com/office/drawing/2010/main" xmlns="" w="9525">
+                <a14:hiddenLine xmlns="" xmlns:a14="http://schemas.microsoft.com/office/drawing/2010/main" w="9525">
                   <a:solidFill>
                     <a:srgbClr val="000000"/>
                   </a:solidFill>
@@ -3719,7 +3724,7 @@
             </a:ln>
             <a:extLst>
               <a:ext uri="{91240B29-F687-4f45-9708-019B960494DF}">
-                <a14:hiddenLine xmlns:a14="http://schemas.microsoft.com/office/drawing/2010/main" xmlns="" w="9525">
+                <a14:hiddenLine xmlns="" xmlns:a14="http://schemas.microsoft.com/office/drawing/2010/main" w="9525">
                   <a:solidFill>
                     <a:srgbClr val="000000"/>
                   </a:solidFill>
@@ -3781,7 +3786,7 @@
             </a:ln>
             <a:extLst>
               <a:ext uri="{91240B29-F687-4f45-9708-019B960494DF}">
-                <a14:hiddenLine xmlns:a14="http://schemas.microsoft.com/office/drawing/2010/main" xmlns="" w="9525">
+                <a14:hiddenLine xmlns="" xmlns:a14="http://schemas.microsoft.com/office/drawing/2010/main" w="9525">
                   <a:solidFill>
                     <a:srgbClr val="000000"/>
                   </a:solidFill>
@@ -3871,7 +3876,7 @@
             </a:ln>
             <a:extLst>
               <a:ext uri="{91240B29-F687-4f45-9708-019B960494DF}">
-                <a14:hiddenLine xmlns:a14="http://schemas.microsoft.com/office/drawing/2010/main" xmlns="" w="9525">
+                <a14:hiddenLine xmlns="" xmlns:a14="http://schemas.microsoft.com/office/drawing/2010/main" w="9525">
                   <a:solidFill>
                     <a:srgbClr val="000000"/>
                   </a:solidFill>
@@ -3961,7 +3966,7 @@
             </a:ln>
             <a:extLst>
               <a:ext uri="{91240B29-F687-4f45-9708-019B960494DF}">
-                <a14:hiddenLine xmlns:a14="http://schemas.microsoft.com/office/drawing/2010/main" xmlns="" w="9525">
+                <a14:hiddenLine xmlns="" xmlns:a14="http://schemas.microsoft.com/office/drawing/2010/main" w="9525">
                   <a:solidFill>
                     <a:srgbClr val="000000"/>
                   </a:solidFill>
@@ -4026,7 +4031,7 @@
             </a:ln>
             <a:extLst>
               <a:ext uri="{91240B29-F687-4f45-9708-019B960494DF}">
-                <a14:hiddenLine xmlns:a14="http://schemas.microsoft.com/office/drawing/2010/main" xmlns="" w="9525">
+                <a14:hiddenLine xmlns="" xmlns:a14="http://schemas.microsoft.com/office/drawing/2010/main" w="9525">
                   <a:solidFill>
                     <a:srgbClr val="000000"/>
                   </a:solidFill>
@@ -4088,7 +4093,7 @@
             </a:ln>
             <a:extLst>
               <a:ext uri="{91240B29-F687-4f45-9708-019B960494DF}">
-                <a14:hiddenLine xmlns:a14="http://schemas.microsoft.com/office/drawing/2010/main" xmlns="" w="9525">
+                <a14:hiddenLine xmlns="" xmlns:a14="http://schemas.microsoft.com/office/drawing/2010/main" w="9525">
                   <a:solidFill>
                     <a:srgbClr val="000000"/>
                   </a:solidFill>
@@ -4178,7 +4183,7 @@
             </a:ln>
             <a:extLst>
               <a:ext uri="{91240B29-F687-4f45-9708-019B960494DF}">
-                <a14:hiddenLine xmlns:a14="http://schemas.microsoft.com/office/drawing/2010/main" xmlns="" w="9525">
+                <a14:hiddenLine xmlns="" xmlns:a14="http://schemas.microsoft.com/office/drawing/2010/main" w="9525">
                   <a:solidFill>
                     <a:srgbClr val="000000"/>
                   </a:solidFill>
@@ -4268,7 +4273,7 @@
             </a:ln>
             <a:extLst>
               <a:ext uri="{91240B29-F687-4f45-9708-019B960494DF}">
-                <a14:hiddenLine xmlns:a14="http://schemas.microsoft.com/office/drawing/2010/main" xmlns="" w="9525">
+                <a14:hiddenLine xmlns="" xmlns:a14="http://schemas.microsoft.com/office/drawing/2010/main" w="9525">
                   <a:solidFill>
                     <a:srgbClr val="000000"/>
                   </a:solidFill>
@@ -4330,7 +4335,7 @@
             </a:ln>
             <a:extLst>
               <a:ext uri="{91240B29-F687-4f45-9708-019B960494DF}">
-                <a14:hiddenLine xmlns:a14="http://schemas.microsoft.com/office/drawing/2010/main" xmlns="" w="9525">
+                <a14:hiddenLine xmlns="" xmlns:a14="http://schemas.microsoft.com/office/drawing/2010/main" w="9525">
                   <a:solidFill>
                     <a:srgbClr val="000000"/>
                   </a:solidFill>
@@ -4450,7 +4455,7 @@
             </a:ln>
             <a:extLst>
               <a:ext uri="{91240B29-F687-4f45-9708-019B960494DF}">
-                <a14:hiddenLine xmlns:a14="http://schemas.microsoft.com/office/drawing/2010/main" xmlns="" w="9525">
+                <a14:hiddenLine xmlns="" xmlns:a14="http://schemas.microsoft.com/office/drawing/2010/main" w="9525">
                   <a:solidFill>
                     <a:srgbClr val="000000"/>
                   </a:solidFill>
@@ -4518,7 +4523,7 @@
             </a:ln>
             <a:extLst>
               <a:ext uri="{91240B29-F687-4f45-9708-019B960494DF}">
-                <a14:hiddenLine xmlns:a14="http://schemas.microsoft.com/office/drawing/2010/main" xmlns="" w="9525">
+                <a14:hiddenLine xmlns="" xmlns:a14="http://schemas.microsoft.com/office/drawing/2010/main" w="9525">
                   <a:solidFill>
                     <a:srgbClr val="000000"/>
                   </a:solidFill>
@@ -4608,7 +4613,7 @@
             </a:ln>
             <a:extLst>
               <a:ext uri="{91240B29-F687-4f45-9708-019B960494DF}">
-                <a14:hiddenLine xmlns:a14="http://schemas.microsoft.com/office/drawing/2010/main" xmlns="" w="9525">
+                <a14:hiddenLine xmlns="" xmlns:a14="http://schemas.microsoft.com/office/drawing/2010/main" w="9525">
                   <a:solidFill>
                     <a:srgbClr val="000000"/>
                   </a:solidFill>
@@ -4748,7 +4753,7 @@
           <a:p>
             <a:fld id="{DFC1310F-FD3E-44F2-A5B5-7F9E22DADA27}" type="datetime1">
               <a:rPr lang="en-US" smtClean="0"/>
-              <a:t>5/17/2022</a:t>
+              <a:t>5/20/2022</a:t>
             </a:fld>
             <a:endParaRPr lang="en-US" dirty="0"/>
           </a:p>
@@ -5010,7 +5015,7 @@
           <a:p>
             <a:fld id="{4C4D32F7-9337-4C56-AC3B-B77D1F50DBD9}" type="datetime1">
               <a:rPr lang="en-US" smtClean="0"/>
-              <a:t>5/17/2022</a:t>
+              <a:t>5/20/2022</a:t>
             </a:fld>
             <a:endParaRPr lang="en-US" dirty="0"/>
           </a:p>
@@ -5201,7 +5206,7 @@
           <a:p>
             <a:fld id="{41EF3432-D9C6-4F1E-B06C-760DAEC6E6F9}" type="datetime1">
               <a:rPr lang="en-US" smtClean="0"/>
-              <a:t>5/17/2022</a:t>
+              <a:t>5/20/2022</a:t>
             </a:fld>
             <a:endParaRPr lang="en-US" dirty="0"/>
           </a:p>
@@ -5459,7 +5464,7 @@
           <a:p>
             <a:fld id="{F51AA10F-7F92-46D9-BED6-882FA39083E8}" type="datetime1">
               <a:rPr lang="en-US" smtClean="0"/>
-              <a:t>5/17/2022</a:t>
+              <a:t>5/20/2022</a:t>
             </a:fld>
             <a:endParaRPr lang="en-US" dirty="0"/>
           </a:p>
@@ -5888,7 +5893,7 @@
           <a:p>
             <a:fld id="{DA52012E-E323-4D72-ABB1-4B47DA7130AD}" type="datetime1">
               <a:rPr lang="en-US" smtClean="0"/>
-              <a:t>5/17/2022</a:t>
+              <a:t>5/20/2022</a:t>
             </a:fld>
             <a:endParaRPr lang="en-US" dirty="0"/>
           </a:p>
@@ -6429,7 +6434,7 @@
           <a:p>
             <a:fld id="{6A3CB13B-1CC4-4865-AA4E-182612EDF42B}" type="datetime1">
               <a:rPr lang="en-US" smtClean="0"/>
-              <a:t>5/17/2022</a:t>
+              <a:t>5/20/2022</a:t>
             </a:fld>
             <a:endParaRPr lang="en-US" dirty="0"/>
           </a:p>
@@ -7144,7 +7149,7 @@
           <a:p>
             <a:fld id="{E24C5A48-6EF6-4FF7-9558-5C35CED986F2}" type="datetime1">
               <a:rPr lang="en-US" smtClean="0"/>
-              <a:t>5/17/2022</a:t>
+              <a:t>5/20/2022</a:t>
             </a:fld>
             <a:endParaRPr lang="en-US" dirty="0"/>
           </a:p>
@@ -7309,7 +7314,7 @@
           <a:p>
             <a:fld id="{5A3F6665-433D-416A-BEE0-D1DF750FD14B}" type="datetime1">
               <a:rPr lang="en-US" smtClean="0"/>
-              <a:t>5/17/2022</a:t>
+              <a:t>5/20/2022</a:t>
             </a:fld>
             <a:endParaRPr lang="en-US" dirty="0"/>
           </a:p>
@@ -7484,7 +7489,7 @@
           <a:p>
             <a:fld id="{1E4DC251-5DE1-45C7-BE64-C25505D9AA23}" type="datetime1">
               <a:rPr lang="en-US" smtClean="0"/>
-              <a:t>5/17/2022</a:t>
+              <a:t>5/20/2022</a:t>
             </a:fld>
             <a:endParaRPr lang="en-US" dirty="0"/>
           </a:p>
@@ -7649,7 +7654,7 @@
           <a:p>
             <a:fld id="{F0C56BEE-E654-47C0-9DB4-A5076DB4055B}" type="datetime1">
               <a:rPr lang="en-US" smtClean="0"/>
-              <a:t>5/17/2022</a:t>
+              <a:t>5/20/2022</a:t>
             </a:fld>
             <a:endParaRPr lang="en-US" dirty="0"/>
           </a:p>
@@ -7894,7 +7899,7 @@
           <a:p>
             <a:fld id="{8BEA0923-B81F-4F88-9149-FCBBAA00EC09}" type="datetime1">
               <a:rPr lang="en-US" smtClean="0"/>
-              <a:t>5/17/2022</a:t>
+              <a:t>5/20/2022</a:t>
             </a:fld>
             <a:endParaRPr lang="en-US" dirty="0"/>
           </a:p>
@@ -8121,7 +8126,7 @@
           <a:p>
             <a:fld id="{1072EED0-642D-4B93-AEA5-005B56E83316}" type="datetime1">
               <a:rPr lang="en-US" smtClean="0"/>
-              <a:t>5/17/2022</a:t>
+              <a:t>5/20/2022</a:t>
             </a:fld>
             <a:endParaRPr lang="en-US" dirty="0"/>
           </a:p>
@@ -8497,7 +8502,7 @@
           <a:p>
             <a:fld id="{A4FBF529-1BA0-4D85-A089-2B71C4E4C477}" type="datetime1">
               <a:rPr lang="en-US" smtClean="0"/>
-              <a:t>5/17/2022</a:t>
+              <a:t>5/20/2022</a:t>
             </a:fld>
             <a:endParaRPr lang="en-US" dirty="0"/>
           </a:p>
@@ -8610,7 +8615,7 @@
           <a:p>
             <a:fld id="{D2CACB65-2EDF-4494-BAE4-EF85C17A66FE}" type="datetime1">
               <a:rPr lang="en-US" smtClean="0"/>
-              <a:t>5/17/2022</a:t>
+              <a:t>5/20/2022</a:t>
             </a:fld>
             <a:endParaRPr lang="en-US" dirty="0"/>
           </a:p>
@@ -8700,7 +8705,7 @@
           <a:p>
             <a:fld id="{9C09DB5C-312C-4C49-A0E8-038E4AD112DC}" type="datetime1">
               <a:rPr lang="en-US" smtClean="0"/>
-              <a:t>5/17/2022</a:t>
+              <a:t>5/20/2022</a:t>
             </a:fld>
             <a:endParaRPr lang="en-US" dirty="0"/>
           </a:p>
@@ -8944,7 +8949,7 @@
           <a:p>
             <a:fld id="{C3FF2AEB-B496-4B69-B3F0-B977AA9BFCD1}" type="datetime1">
               <a:rPr lang="en-US" smtClean="0"/>
-              <a:t>5/17/2022</a:t>
+              <a:t>5/20/2022</a:t>
             </a:fld>
             <a:endParaRPr lang="en-US" dirty="0"/>
           </a:p>
@@ -9219,7 +9224,7 @@
           <a:p>
             <a:fld id="{EFFCC3F3-C5B0-40CC-8A49-9DD6C828C524}" type="datetime1">
               <a:rPr lang="en-US" smtClean="0"/>
-              <a:t>5/17/2022</a:t>
+              <a:t>5/20/2022</a:t>
             </a:fld>
             <a:endParaRPr lang="en-US" dirty="0"/>
           </a:p>
@@ -9330,7 +9335,7 @@
           <a:noFill/>
           <a:extLst>
             <a:ext uri="{909E8E84-426E-40dd-AFC4-6F175D3DCCD1}">
-              <a14:hiddenFill xmlns:a14="http://schemas.microsoft.com/office/drawing/2010/main" xmlns="">
+              <a14:hiddenFill xmlns="" xmlns:a14="http://schemas.microsoft.com/office/drawing/2010/main">
                 <a:solidFill>
                   <a:srgbClr val="FFFFFF"/>
                 </a:solidFill>
@@ -9404,7 +9409,7 @@
               </a:ln>
               <a:extLst>
                 <a:ext uri="{91240B29-F687-4f45-9708-019B960494DF}">
-                  <a14:hiddenLine xmlns:a14="http://schemas.microsoft.com/office/drawing/2010/main" xmlns="" w="9525">
+                  <a14:hiddenLine xmlns="" xmlns:a14="http://schemas.microsoft.com/office/drawing/2010/main" w="9525">
                     <a:solidFill>
                       <a:srgbClr val="000000"/>
                     </a:solidFill>
@@ -9494,7 +9499,7 @@
               </a:ln>
               <a:extLst>
                 <a:ext uri="{91240B29-F687-4f45-9708-019B960494DF}">
-                  <a14:hiddenLine xmlns:a14="http://schemas.microsoft.com/office/drawing/2010/main" xmlns="" w="9525">
+                  <a14:hiddenLine xmlns="" xmlns:a14="http://schemas.microsoft.com/office/drawing/2010/main" w="9525">
                     <a:solidFill>
                       <a:srgbClr val="000000"/>
                     </a:solidFill>
@@ -9584,7 +9589,7 @@
               </a:ln>
               <a:extLst>
                 <a:ext uri="{91240B29-F687-4f45-9708-019B960494DF}">
-                  <a14:hiddenLine xmlns:a14="http://schemas.microsoft.com/office/drawing/2010/main" xmlns="" w="9525">
+                  <a14:hiddenLine xmlns="" xmlns:a14="http://schemas.microsoft.com/office/drawing/2010/main" w="9525">
                     <a:solidFill>
                       <a:srgbClr val="000000"/>
                     </a:solidFill>
@@ -9646,7 +9651,7 @@
               </a:ln>
               <a:extLst>
                 <a:ext uri="{91240B29-F687-4f45-9708-019B960494DF}">
-                  <a14:hiddenLine xmlns:a14="http://schemas.microsoft.com/office/drawing/2010/main" xmlns="" w="9525">
+                  <a14:hiddenLine xmlns="" xmlns:a14="http://schemas.microsoft.com/office/drawing/2010/main" w="9525">
                     <a:solidFill>
                       <a:srgbClr val="000000"/>
                     </a:solidFill>
@@ -9736,7 +9741,7 @@
               </a:ln>
               <a:extLst>
                 <a:ext uri="{91240B29-F687-4f45-9708-019B960494DF}">
-                  <a14:hiddenLine xmlns:a14="http://schemas.microsoft.com/office/drawing/2010/main" xmlns="" w="9525">
+                  <a14:hiddenLine xmlns="" xmlns:a14="http://schemas.microsoft.com/office/drawing/2010/main" w="9525">
                     <a:solidFill>
                       <a:srgbClr val="000000"/>
                     </a:solidFill>
@@ -9798,7 +9803,7 @@
               </a:ln>
               <a:extLst>
                 <a:ext uri="{91240B29-F687-4f45-9708-019B960494DF}">
-                  <a14:hiddenLine xmlns:a14="http://schemas.microsoft.com/office/drawing/2010/main" xmlns="" w="9525">
+                  <a14:hiddenLine xmlns="" xmlns:a14="http://schemas.microsoft.com/office/drawing/2010/main" w="9525">
                     <a:solidFill>
                       <a:srgbClr val="000000"/>
                     </a:solidFill>
@@ -9860,7 +9865,7 @@
               </a:ln>
               <a:extLst>
                 <a:ext uri="{91240B29-F687-4f45-9708-019B960494DF}">
-                  <a14:hiddenLine xmlns:a14="http://schemas.microsoft.com/office/drawing/2010/main" xmlns="" w="9525">
+                  <a14:hiddenLine xmlns="" xmlns:a14="http://schemas.microsoft.com/office/drawing/2010/main" w="9525">
                     <a:solidFill>
                       <a:srgbClr val="000000"/>
                     </a:solidFill>
@@ -9950,7 +9955,7 @@
               </a:ln>
               <a:extLst>
                 <a:ext uri="{91240B29-F687-4f45-9708-019B960494DF}">
-                  <a14:hiddenLine xmlns:a14="http://schemas.microsoft.com/office/drawing/2010/main" xmlns="" w="9525">
+                  <a14:hiddenLine xmlns="" xmlns:a14="http://schemas.microsoft.com/office/drawing/2010/main" w="9525">
                     <a:solidFill>
                       <a:srgbClr val="000000"/>
                     </a:solidFill>
@@ -10040,7 +10045,7 @@
               </a:ln>
               <a:extLst>
                 <a:ext uri="{91240B29-F687-4f45-9708-019B960494DF}">
-                  <a14:hiddenLine xmlns:a14="http://schemas.microsoft.com/office/drawing/2010/main" xmlns="" w="9525">
+                  <a14:hiddenLine xmlns="" xmlns:a14="http://schemas.microsoft.com/office/drawing/2010/main" w="9525">
                     <a:solidFill>
                       <a:srgbClr val="000000"/>
                     </a:solidFill>
@@ -10102,7 +10107,7 @@
               </a:ln>
               <a:extLst>
                 <a:ext uri="{91240B29-F687-4f45-9708-019B960494DF}">
-                  <a14:hiddenLine xmlns:a14="http://schemas.microsoft.com/office/drawing/2010/main" xmlns="" w="9525">
+                  <a14:hiddenLine xmlns="" xmlns:a14="http://schemas.microsoft.com/office/drawing/2010/main" w="9525">
                     <a:solidFill>
                       <a:srgbClr val="000000"/>
                     </a:solidFill>
@@ -10212,7 +10217,7 @@
               </a:ln>
               <a:extLst>
                 <a:ext uri="{91240B29-F687-4f45-9708-019B960494DF}">
-                  <a14:hiddenLine xmlns:a14="http://schemas.microsoft.com/office/drawing/2010/main" xmlns="" w="9525">
+                  <a14:hiddenLine xmlns="" xmlns:a14="http://schemas.microsoft.com/office/drawing/2010/main" w="9525">
                     <a:solidFill>
                       <a:srgbClr val="000000"/>
                     </a:solidFill>
@@ -10296,7 +10301,7 @@
               </a:ln>
               <a:extLst>
                 <a:ext uri="{91240B29-F687-4f45-9708-019B960494DF}">
-                  <a14:hiddenLine xmlns:a14="http://schemas.microsoft.com/office/drawing/2010/main" xmlns="" w="9525">
+                  <a14:hiddenLine xmlns="" xmlns:a14="http://schemas.microsoft.com/office/drawing/2010/main" w="9525">
                     <a:solidFill>
                       <a:srgbClr val="000000"/>
                     </a:solidFill>
@@ -10358,7 +10363,7 @@
               </a:ln>
               <a:extLst>
                 <a:ext uri="{91240B29-F687-4f45-9708-019B960494DF}">
-                  <a14:hiddenLine xmlns:a14="http://schemas.microsoft.com/office/drawing/2010/main" xmlns="" w="9525">
+                  <a14:hiddenLine xmlns="" xmlns:a14="http://schemas.microsoft.com/office/drawing/2010/main" w="9525">
                     <a:solidFill>
                       <a:srgbClr val="000000"/>
                     </a:solidFill>
@@ -10420,7 +10425,7 @@
               </a:ln>
               <a:extLst>
                 <a:ext uri="{91240B29-F687-4f45-9708-019B960494DF}">
-                  <a14:hiddenLine xmlns:a14="http://schemas.microsoft.com/office/drawing/2010/main" xmlns="" w="9525">
+                  <a14:hiddenLine xmlns="" xmlns:a14="http://schemas.microsoft.com/office/drawing/2010/main" w="9525">
                     <a:solidFill>
                       <a:srgbClr val="000000"/>
                     </a:solidFill>
@@ -10510,7 +10515,7 @@
               </a:ln>
               <a:extLst>
                 <a:ext uri="{91240B29-F687-4f45-9708-019B960494DF}">
-                  <a14:hiddenLine xmlns:a14="http://schemas.microsoft.com/office/drawing/2010/main" xmlns="" w="9525">
+                  <a14:hiddenLine xmlns="" xmlns:a14="http://schemas.microsoft.com/office/drawing/2010/main" w="9525">
                     <a:solidFill>
                       <a:srgbClr val="000000"/>
                     </a:solidFill>
@@ -10544,7 +10549,7 @@
               </a:ln>
               <a:extLst>
                 <a:ext uri="{91240B29-F687-4f45-9708-019B960494DF}">
-                  <a14:hiddenLine xmlns:a14="http://schemas.microsoft.com/office/drawing/2010/main" xmlns="" w="9525">
+                  <a14:hiddenLine xmlns="" xmlns:a14="http://schemas.microsoft.com/office/drawing/2010/main" w="9525">
                     <a:solidFill>
                       <a:srgbClr val="000000"/>
                     </a:solidFill>
@@ -10609,7 +10614,7 @@
               </a:ln>
               <a:extLst>
                 <a:ext uri="{91240B29-F687-4f45-9708-019B960494DF}">
-                  <a14:hiddenLine xmlns:a14="http://schemas.microsoft.com/office/drawing/2010/main" xmlns="" w="9525">
+                  <a14:hiddenLine xmlns="" xmlns:a14="http://schemas.microsoft.com/office/drawing/2010/main" w="9525">
                     <a:solidFill>
                       <a:srgbClr val="000000"/>
                     </a:solidFill>
@@ -10699,7 +10704,7 @@
               </a:ln>
               <a:extLst>
                 <a:ext uri="{91240B29-F687-4f45-9708-019B960494DF}">
-                  <a14:hiddenLine xmlns:a14="http://schemas.microsoft.com/office/drawing/2010/main" xmlns="" w="9525">
+                  <a14:hiddenLine xmlns="" xmlns:a14="http://schemas.microsoft.com/office/drawing/2010/main" w="9525">
                     <a:solidFill>
                       <a:srgbClr val="000000"/>
                     </a:solidFill>
@@ -10761,7 +10766,7 @@
               </a:ln>
               <a:extLst>
                 <a:ext uri="{91240B29-F687-4f45-9708-019B960494DF}">
-                  <a14:hiddenLine xmlns:a14="http://schemas.microsoft.com/office/drawing/2010/main" xmlns="" w="9525">
+                  <a14:hiddenLine xmlns="" xmlns:a14="http://schemas.microsoft.com/office/drawing/2010/main" w="9525">
                     <a:solidFill>
                       <a:srgbClr val="000000"/>
                     </a:solidFill>
@@ -10851,7 +10856,7 @@
               </a:ln>
               <a:extLst>
                 <a:ext uri="{91240B29-F687-4f45-9708-019B960494DF}">
-                  <a14:hiddenLine xmlns:a14="http://schemas.microsoft.com/office/drawing/2010/main" xmlns="" w="9525">
+                  <a14:hiddenLine xmlns="" xmlns:a14="http://schemas.microsoft.com/office/drawing/2010/main" w="9525">
                     <a:solidFill>
                       <a:srgbClr val="000000"/>
                     </a:solidFill>
@@ -10916,7 +10921,7 @@
               </a:ln>
               <a:extLst>
                 <a:ext uri="{91240B29-F687-4f45-9708-019B960494DF}">
-                  <a14:hiddenLine xmlns:a14="http://schemas.microsoft.com/office/drawing/2010/main" xmlns="" w="9525">
+                  <a14:hiddenLine xmlns="" xmlns:a14="http://schemas.microsoft.com/office/drawing/2010/main" w="9525">
                     <a:solidFill>
                       <a:srgbClr val="000000"/>
                     </a:solidFill>
@@ -10978,7 +10983,7 @@
               </a:ln>
               <a:extLst>
                 <a:ext uri="{91240B29-F687-4f45-9708-019B960494DF}">
-                  <a14:hiddenLine xmlns:a14="http://schemas.microsoft.com/office/drawing/2010/main" xmlns="" w="9525">
+                  <a14:hiddenLine xmlns="" xmlns:a14="http://schemas.microsoft.com/office/drawing/2010/main" w="9525">
                     <a:solidFill>
                       <a:srgbClr val="000000"/>
                     </a:solidFill>
@@ -11068,7 +11073,7 @@
               </a:ln>
               <a:extLst>
                 <a:ext uri="{91240B29-F687-4f45-9708-019B960494DF}">
-                  <a14:hiddenLine xmlns:a14="http://schemas.microsoft.com/office/drawing/2010/main" xmlns="" w="9525">
+                  <a14:hiddenLine xmlns="" xmlns:a14="http://schemas.microsoft.com/office/drawing/2010/main" w="9525">
                     <a:solidFill>
                       <a:srgbClr val="000000"/>
                     </a:solidFill>
@@ -11158,7 +11163,7 @@
               </a:ln>
               <a:extLst>
                 <a:ext uri="{91240B29-F687-4f45-9708-019B960494DF}">
-                  <a14:hiddenLine xmlns:a14="http://schemas.microsoft.com/office/drawing/2010/main" xmlns="" w="9525">
+                  <a14:hiddenLine xmlns="" xmlns:a14="http://schemas.microsoft.com/office/drawing/2010/main" w="9525">
                     <a:solidFill>
                       <a:srgbClr val="000000"/>
                     </a:solidFill>
@@ -11223,7 +11228,7 @@
               </a:ln>
               <a:extLst>
                 <a:ext uri="{91240B29-F687-4f45-9708-019B960494DF}">
-                  <a14:hiddenLine xmlns:a14="http://schemas.microsoft.com/office/drawing/2010/main" xmlns="" w="9525">
+                  <a14:hiddenLine xmlns="" xmlns:a14="http://schemas.microsoft.com/office/drawing/2010/main" w="9525">
                     <a:solidFill>
                       <a:srgbClr val="000000"/>
                     </a:solidFill>
@@ -11343,7 +11348,7 @@
               </a:ln>
               <a:extLst>
                 <a:ext uri="{91240B29-F687-4f45-9708-019B960494DF}">
-                  <a14:hiddenLine xmlns:a14="http://schemas.microsoft.com/office/drawing/2010/main" xmlns="" w="9525">
+                  <a14:hiddenLine xmlns="" xmlns:a14="http://schemas.microsoft.com/office/drawing/2010/main" w="9525">
                     <a:solidFill>
                       <a:srgbClr val="000000"/>
                     </a:solidFill>
@@ -11441,7 +11446,7 @@
               </a:ln>
               <a:extLst>
                 <a:ext uri="{91240B29-F687-4f45-9708-019B960494DF}">
-                  <a14:hiddenLine xmlns:a14="http://schemas.microsoft.com/office/drawing/2010/main" xmlns="" w="9525">
+                  <a14:hiddenLine xmlns="" xmlns:a14="http://schemas.microsoft.com/office/drawing/2010/main" w="9525">
                     <a:solidFill>
                       <a:srgbClr val="000000"/>
                     </a:solidFill>
@@ -11556,7 +11561,7 @@
               </a:ln>
               <a:extLst>
                 <a:ext uri="{91240B29-F687-4f45-9708-019B960494DF}">
-                  <a14:hiddenLine xmlns:a14="http://schemas.microsoft.com/office/drawing/2010/main" xmlns="" w="9525">
+                  <a14:hiddenLine xmlns="" xmlns:a14="http://schemas.microsoft.com/office/drawing/2010/main" w="9525">
                     <a:solidFill>
                       <a:srgbClr val="000000"/>
                     </a:solidFill>
@@ -11646,7 +11651,7 @@
               </a:ln>
               <a:extLst>
                 <a:ext uri="{91240B29-F687-4f45-9708-019B960494DF}">
-                  <a14:hiddenLine xmlns:a14="http://schemas.microsoft.com/office/drawing/2010/main" xmlns="" w="9525">
+                  <a14:hiddenLine xmlns="" xmlns:a14="http://schemas.microsoft.com/office/drawing/2010/main" w="9525">
                     <a:solidFill>
                       <a:srgbClr val="000000"/>
                     </a:solidFill>
@@ -11711,7 +11716,7 @@
               </a:ln>
               <a:extLst>
                 <a:ext uri="{91240B29-F687-4f45-9708-019B960494DF}">
-                  <a14:hiddenLine xmlns:a14="http://schemas.microsoft.com/office/drawing/2010/main" xmlns="" w="9525">
+                  <a14:hiddenLine xmlns="" xmlns:a14="http://schemas.microsoft.com/office/drawing/2010/main" w="9525">
                     <a:solidFill>
                       <a:srgbClr val="000000"/>
                     </a:solidFill>
@@ -11801,7 +11806,7 @@
               </a:ln>
               <a:extLst>
                 <a:ext uri="{91240B29-F687-4f45-9708-019B960494DF}">
-                  <a14:hiddenLine xmlns:a14="http://schemas.microsoft.com/office/drawing/2010/main" xmlns="" w="9525">
+                  <a14:hiddenLine xmlns="" xmlns:a14="http://schemas.microsoft.com/office/drawing/2010/main" w="9525">
                     <a:solidFill>
                       <a:srgbClr val="000000"/>
                     </a:solidFill>
@@ -11869,7 +11874,7 @@
               </a:ln>
               <a:extLst>
                 <a:ext uri="{91240B29-F687-4f45-9708-019B960494DF}">
-                  <a14:hiddenLine xmlns:a14="http://schemas.microsoft.com/office/drawing/2010/main" xmlns="" w="9525">
+                  <a14:hiddenLine xmlns="" xmlns:a14="http://schemas.microsoft.com/office/drawing/2010/main" w="9525">
                     <a:solidFill>
                       <a:srgbClr val="000000"/>
                     </a:solidFill>
@@ -11959,7 +11964,7 @@
               </a:ln>
               <a:extLst>
                 <a:ext uri="{91240B29-F687-4f45-9708-019B960494DF}">
-                  <a14:hiddenLine xmlns:a14="http://schemas.microsoft.com/office/drawing/2010/main" xmlns="" w="9525">
+                  <a14:hiddenLine xmlns="" xmlns:a14="http://schemas.microsoft.com/office/drawing/2010/main" w="9525">
                     <a:solidFill>
                       <a:srgbClr val="000000"/>
                     </a:solidFill>
@@ -12027,7 +12032,7 @@
               </a:ln>
               <a:extLst>
                 <a:ext uri="{91240B29-F687-4f45-9708-019B960494DF}">
-                  <a14:hiddenLine xmlns:a14="http://schemas.microsoft.com/office/drawing/2010/main" xmlns="" w="9525">
+                  <a14:hiddenLine xmlns="" xmlns:a14="http://schemas.microsoft.com/office/drawing/2010/main" w="9525">
                     <a:solidFill>
                       <a:srgbClr val="000000"/>
                     </a:solidFill>
@@ -12117,7 +12122,7 @@
               </a:ln>
               <a:extLst>
                 <a:ext uri="{91240B29-F687-4f45-9708-019B960494DF}">
-                  <a14:hiddenLine xmlns:a14="http://schemas.microsoft.com/office/drawing/2010/main" xmlns="" w="9525">
+                  <a14:hiddenLine xmlns="" xmlns:a14="http://schemas.microsoft.com/office/drawing/2010/main" w="9525">
                     <a:solidFill>
                       <a:srgbClr val="000000"/>
                     </a:solidFill>
@@ -12151,7 +12156,7 @@
               </a:ln>
               <a:extLst>
                 <a:ext uri="{91240B29-F687-4f45-9708-019B960494DF}">
-                  <a14:hiddenLine xmlns:a14="http://schemas.microsoft.com/office/drawing/2010/main" xmlns="" w="9525">
+                  <a14:hiddenLine xmlns="" xmlns:a14="http://schemas.microsoft.com/office/drawing/2010/main" w="9525">
                     <a:solidFill>
                       <a:srgbClr val="000000"/>
                     </a:solidFill>
@@ -12291,7 +12296,7 @@
           <a:p>
             <a:fld id="{685B3610-8468-4E44-95C8-C78EA22EDD81}" type="datetime1">
               <a:rPr lang="en-US" smtClean="0"/>
-              <a:t>5/17/2022</a:t>
+              <a:t>5/20/2022</a:t>
             </a:fld>
             <a:endParaRPr lang="en-US" dirty="0"/>
           </a:p>
@@ -13851,8 +13856,8 @@
         </p:nvSpPr>
         <p:spPr>
           <a:xfrm>
-            <a:off x="1141412" y="1423538"/>
-            <a:ext cx="9905999" cy="2535988"/>
+            <a:off x="960175" y="1768505"/>
+            <a:ext cx="9701690" cy="2363458"/>
           </a:xfrm>
         </p:spPr>
         <p:txBody>
@@ -13861,99 +13866,96 @@
           </a:bodyPr>
           <a:lstStyle/>
           <a:p>
-            <a:pPr marL="0" lvl="0" indent="0">
-              <a:buNone/>
+            <a:pPr marL="1097280" lvl="2">
+              <a:spcBef>
+                <a:spcPts val="0"/>
+              </a:spcBef>
             </a:pPr>
             <a:r>
-              <a:rPr lang="en-US" sz="1800" dirty="0" smtClean="0">
+              <a:rPr lang="en-US" dirty="0" smtClean="0">
                 <a:solidFill>
                   <a:schemeClr val="bg1"/>
                 </a:solidFill>
                 <a:latin typeface="Cambria" panose="02040503050406030204" pitchFamily="18" charset="0"/>
                 <a:ea typeface="Cambria" panose="02040503050406030204" pitchFamily="18" charset="0"/>
               </a:rPr>
-              <a:t>website đã đạt được :</a:t>
-            </a:r>
-          </a:p>
-          <a:p>
-            <a:pPr lvl="0"/>
-            <a:r>
-              <a:rPr lang="en-US" sz="1800" dirty="0" smtClean="0">
+              <a:t>Áp </a:t>
+            </a:r>
+            <a:r>
+              <a:rPr lang="en-US" dirty="0">
                 <a:solidFill>
                   <a:schemeClr val="bg1"/>
                 </a:solidFill>
                 <a:latin typeface="Cambria" panose="02040503050406030204" pitchFamily="18" charset="0"/>
                 <a:ea typeface="Cambria" panose="02040503050406030204" pitchFamily="18" charset="0"/>
               </a:rPr>
-              <a:t>Áp </a:t>
-            </a:r>
-            <a:r>
-              <a:rPr lang="en-US" sz="1800" dirty="0">
+              <a:t>dụng các kiến thức đã học xây dựng website bán điện thoại, phân quyền người dùng và người quản trị, với giao diện và chức năng khác nhau.</a:t>
+            </a:r>
+          </a:p>
+          <a:p>
+            <a:pPr marL="1097280" lvl="2">
+              <a:spcBef>
+                <a:spcPts val="0"/>
+              </a:spcBef>
+            </a:pPr>
+            <a:r>
+              <a:rPr lang="en-US" dirty="0">
                 <a:solidFill>
                   <a:schemeClr val="bg1"/>
                 </a:solidFill>
                 <a:latin typeface="Cambria" panose="02040503050406030204" pitchFamily="18" charset="0"/>
                 <a:ea typeface="Cambria" panose="02040503050406030204" pitchFamily="18" charset="0"/>
               </a:rPr>
-              <a:t>dụng các kiến thức đã học xây dựng website bán điện thoại, phân quyền người dùng và người quản trị, với giao diện và chức năng khác nhau.</a:t>
-            </a:r>
-          </a:p>
-          <a:p>
-            <a:pPr lvl="0"/>
-            <a:r>
-              <a:rPr lang="en-US" sz="1800" dirty="0">
+              <a:t>Quản lý các thông tin cần thiết của cửa hàng như các sản phẩm, thông tin khách hàng và các giao dịch mua hàng </a:t>
+            </a:r>
+            <a:r>
+              <a:rPr lang="en-US" dirty="0" smtClean="0">
                 <a:solidFill>
                   <a:schemeClr val="bg1"/>
                 </a:solidFill>
                 <a:latin typeface="Cambria" panose="02040503050406030204" pitchFamily="18" charset="0"/>
                 <a:ea typeface="Cambria" panose="02040503050406030204" pitchFamily="18" charset="0"/>
               </a:rPr>
-              <a:t>Quản lý các thông tin cần thiết của cửa hàng như các sản phẩm, thông tin khách hàng và các giao dịch mua hàng </a:t>
-            </a:r>
-            <a:r>
-              <a:rPr lang="en-US" sz="1800" dirty="0" smtClean="0">
+              <a:t>của </a:t>
+            </a:r>
+            <a:r>
+              <a:rPr lang="en-US" dirty="0">
                 <a:solidFill>
                   <a:schemeClr val="bg1"/>
                 </a:solidFill>
                 <a:latin typeface="Cambria" panose="02040503050406030204" pitchFamily="18" charset="0"/>
                 <a:ea typeface="Cambria" panose="02040503050406030204" pitchFamily="18" charset="0"/>
               </a:rPr>
-              <a:t>của </a:t>
-            </a:r>
-            <a:r>
-              <a:rPr lang="en-US" sz="1800" dirty="0">
+              <a:t>khách hàng.</a:t>
+            </a:r>
+          </a:p>
+          <a:p>
+            <a:pPr marL="1097280" lvl="2">
+              <a:spcBef>
+                <a:spcPts val="0"/>
+              </a:spcBef>
+            </a:pPr>
+            <a:r>
+              <a:rPr lang="en-US" dirty="0">
                 <a:solidFill>
                   <a:schemeClr val="bg1"/>
                 </a:solidFill>
                 <a:latin typeface="Cambria" panose="02040503050406030204" pitchFamily="18" charset="0"/>
                 <a:ea typeface="Cambria" panose="02040503050406030204" pitchFamily="18" charset="0"/>
               </a:rPr>
-              <a:t>khách hàng.</a:t>
-            </a:r>
-          </a:p>
-          <a:p>
-            <a:pPr lvl="0"/>
-            <a:r>
-              <a:rPr lang="en-US" sz="1800" dirty="0">
+              <a:t>Có hầu như đầy đủ chức năng cơ bản để quản lý cửa hàng</a:t>
+            </a:r>
+            <a:r>
+              <a:rPr lang="en-US" dirty="0" smtClean="0">
                 <a:solidFill>
                   <a:schemeClr val="bg1"/>
                 </a:solidFill>
                 <a:latin typeface="Cambria" panose="02040503050406030204" pitchFamily="18" charset="0"/>
                 <a:ea typeface="Cambria" panose="02040503050406030204" pitchFamily="18" charset="0"/>
               </a:rPr>
-              <a:t>Có hầu như đầy đủ chức năng cơ bản để quản lý cửa hàng</a:t>
-            </a:r>
-            <a:r>
-              <a:rPr lang="en-US" sz="1800" dirty="0" smtClean="0">
-                <a:solidFill>
-                  <a:schemeClr val="bg1"/>
-                </a:solidFill>
-                <a:latin typeface="Cambria" panose="02040503050406030204" pitchFamily="18" charset="0"/>
-                <a:ea typeface="Cambria" panose="02040503050406030204" pitchFamily="18" charset="0"/>
-              </a:rPr>
               <a:t>.</a:t>
             </a:r>
-            <a:endParaRPr lang="en-US" sz="1800" dirty="0">
+            <a:endParaRPr lang="en-US" sz="1200" dirty="0" smtClean="0">
               <a:solidFill>
                 <a:schemeClr val="bg1"/>
               </a:solidFill>
@@ -14118,7 +14120,7 @@
         </p:nvSpPr>
         <p:spPr>
           <a:xfrm>
-            <a:off x="590083" y="965978"/>
+            <a:off x="960175" y="1338037"/>
             <a:ext cx="2695575" cy="552450"/>
           </a:xfrm>
           <a:prstGeom prst="rect">
@@ -14147,14 +14149,64 @@
           <a:bodyPr rtlCol="0" anchor="ctr"/>
           <a:lstStyle/>
           <a:p>
-            <a:pPr algn="ctr"/>
             <a:r>
               <a:rPr lang="en-US" dirty="0" smtClean="0">
-                <a:latin typeface="Times New Roman" panose="02020603050405020304" pitchFamily="18" charset="0"/>
+                <a:latin typeface="Cambria" panose="02040503050406030204" pitchFamily="18" charset="0"/>
+                <a:ea typeface="Cambria" panose="02040503050406030204" pitchFamily="18" charset="0"/>
                 <a:cs typeface="Times New Roman" panose="02020603050405020304" pitchFamily="18" charset="0"/>
               </a:rPr>
-              <a:t>4.1 Kết luân:</a:t>
-            </a:r>
+              <a:t>4.1 Kết luân</a:t>
+            </a:r>
+            <a:r>
+              <a:rPr lang="en-US" dirty="0" smtClean="0">
+                <a:latin typeface="Cambria" panose="02040503050406030204" pitchFamily="18" charset="0"/>
+                <a:ea typeface="Cambria" panose="02040503050406030204" pitchFamily="18" charset="0"/>
+                <a:cs typeface="Times New Roman" panose="02020603050405020304" pitchFamily="18" charset="0"/>
+              </a:rPr>
+              <a:t>:</a:t>
+            </a:r>
+          </a:p>
+          <a:p>
+            <a:pPr lvl="0"/>
+            <a:r>
+              <a:rPr lang="en-US" dirty="0" smtClean="0">
+                <a:solidFill>
+                  <a:schemeClr val="bg1"/>
+                </a:solidFill>
+                <a:latin typeface="Cambria" panose="02040503050406030204" pitchFamily="18" charset="0"/>
+                <a:ea typeface="Cambria" panose="02040503050406030204" pitchFamily="18" charset="0"/>
+              </a:rPr>
+              <a:t>	Kết </a:t>
+            </a:r>
+            <a:r>
+              <a:rPr lang="en-US" dirty="0">
+                <a:solidFill>
+                  <a:schemeClr val="bg1"/>
+                </a:solidFill>
+                <a:latin typeface="Cambria" panose="02040503050406030204" pitchFamily="18" charset="0"/>
+                <a:ea typeface="Cambria" panose="02040503050406030204" pitchFamily="18" charset="0"/>
+              </a:rPr>
+              <a:t>quả đã đạt </a:t>
+            </a:r>
+            <a:r>
+              <a:rPr lang="en-US" dirty="0" smtClean="0">
+                <a:solidFill>
+                  <a:schemeClr val="bg1"/>
+                </a:solidFill>
+                <a:latin typeface="Cambria" panose="02040503050406030204" pitchFamily="18" charset="0"/>
+                <a:ea typeface="Cambria" panose="02040503050406030204" pitchFamily="18" charset="0"/>
+              </a:rPr>
+              <a:t>được:</a:t>
+            </a:r>
+            <a:endParaRPr lang="en-US" dirty="0">
+              <a:solidFill>
+                <a:schemeClr val="bg1"/>
+              </a:solidFill>
+              <a:latin typeface="Cambria" panose="02040503050406030204" pitchFamily="18" charset="0"/>
+              <a:ea typeface="Cambria" panose="02040503050406030204" pitchFamily="18" charset="0"/>
+            </a:endParaRPr>
+          </a:p>
+          <a:p>
             <a:endParaRPr lang="en-US" dirty="0">
               <a:latin typeface="Times New Roman" panose="02020603050405020304" pitchFamily="18" charset="0"/>
               <a:cs typeface="Times New Roman" panose="02020603050405020304" pitchFamily="18" charset="0"/>
@@ -14170,7 +14222,7 @@
         </p:nvSpPr>
         <p:spPr>
           <a:xfrm>
-            <a:off x="1141412" y="4092007"/>
+            <a:off x="960175" y="3919480"/>
             <a:ext cx="8562975" cy="2047875"/>
           </a:xfrm>
           <a:prstGeom prst="rect">
@@ -14201,225 +14253,55 @@
           <a:p>
             <a:r>
               <a:rPr lang="en-US" dirty="0">
+                <a:solidFill>
+                  <a:schemeClr val="bg1"/>
+                </a:solidFill>
                 <a:latin typeface="Cambria" panose="02040503050406030204" pitchFamily="18" charset="0"/>
                 <a:ea typeface="Cambria" panose="02040503050406030204" pitchFamily="18" charset="0"/>
                 <a:cs typeface="Times New Roman" panose="02020603050405020304" pitchFamily="18" charset="0"/>
               </a:rPr>
-              <a:t> </a:t>
-            </a:r>
-            <a:r>
-              <a:rPr lang="en-US" dirty="0" smtClean="0">
+              <a:t>4.2 Hướng phát triển:</a:t>
+            </a:r>
+          </a:p>
+          <a:p>
+            <a:pPr marL="742950" lvl="1" indent="-285750">
+              <a:buFont typeface="Arial" panose="020B0604020202020204" pitchFamily="34" charset="0"/>
+              <a:buChar char="•"/>
+            </a:pPr>
+            <a:r>
+              <a:rPr lang="en-US" dirty="0">
+                <a:solidFill>
+                  <a:schemeClr val="bg1"/>
+                </a:solidFill>
                 <a:latin typeface="Cambria" panose="02040503050406030204" pitchFamily="18" charset="0"/>
                 <a:ea typeface="Cambria" panose="02040503050406030204" pitchFamily="18" charset="0"/>
                 <a:cs typeface="Times New Roman" panose="02020603050405020304" pitchFamily="18" charset="0"/>
               </a:rPr>
-              <a:t>    </a:t>
-            </a:r>
-            <a:r>
-              <a:rPr lang="en-US" dirty="0" smtClean="0">
+              <a:t>Thêm tương tác, đánh giá, bình luận của người dùng</a:t>
+            </a:r>
+          </a:p>
+          <a:p>
+            <a:pPr marL="742950" lvl="1" indent="-285750">
+              <a:buFont typeface="Arial" panose="020B0604020202020204" pitchFamily="34" charset="0"/>
+              <a:buChar char="•"/>
+            </a:pPr>
+            <a:r>
+              <a:rPr lang="en-US" dirty="0">
+                <a:solidFill>
+                  <a:schemeClr val="bg1"/>
+                </a:solidFill>
                 <a:latin typeface="Cambria" panose="02040503050406030204" pitchFamily="18" charset="0"/>
                 <a:ea typeface="Cambria" panose="02040503050406030204" pitchFamily="18" charset="0"/>
                 <a:cs typeface="Times New Roman" panose="02020603050405020304" pitchFamily="18" charset="0"/>
               </a:rPr>
-              <a:t>4.2 </a:t>
-            </a:r>
-            <a:r>
-              <a:rPr lang="en-US" dirty="0" smtClean="0">
-                <a:latin typeface="Cambria" panose="02040503050406030204" pitchFamily="18" charset="0"/>
-                <a:ea typeface="Cambria" panose="02040503050406030204" pitchFamily="18" charset="0"/>
-                <a:cs typeface="Times New Roman" panose="02020603050405020304" pitchFamily="18" charset="0"/>
-              </a:rPr>
-              <a:t>Hướng phát triển:</a:t>
-            </a:r>
-          </a:p>
-          <a:p>
-            <a:pPr marL="285750" indent="-285750">
-              <a:buFont typeface="Arial" panose="020B0604020202020204" pitchFamily="34" charset="0"/>
-              <a:buChar char="•"/>
-            </a:pPr>
-            <a:r>
-              <a:rPr lang="en-US" dirty="0" err="1" smtClean="0">
-                <a:latin typeface="Cambria" panose="02040503050406030204" pitchFamily="18" charset="0"/>
-                <a:ea typeface="Cambria" panose="02040503050406030204" pitchFamily="18" charset="0"/>
-                <a:cs typeface="Times New Roman" panose="02020603050405020304" pitchFamily="18" charset="0"/>
-              </a:rPr>
-              <a:t>Thêm</a:t>
-            </a:r>
-            <a:r>
-              <a:rPr lang="en-US" dirty="0" smtClean="0">
-                <a:latin typeface="Cambria" panose="02040503050406030204" pitchFamily="18" charset="0"/>
-                <a:ea typeface="Cambria" panose="02040503050406030204" pitchFamily="18" charset="0"/>
-                <a:cs typeface="Times New Roman" panose="02020603050405020304" pitchFamily="18" charset="0"/>
-              </a:rPr>
-              <a:t> </a:t>
-            </a:r>
-            <a:r>
-              <a:rPr lang="en-US" dirty="0" err="1" smtClean="0">
-                <a:latin typeface="Cambria" panose="02040503050406030204" pitchFamily="18" charset="0"/>
-                <a:ea typeface="Cambria" panose="02040503050406030204" pitchFamily="18" charset="0"/>
-                <a:cs typeface="Times New Roman" panose="02020603050405020304" pitchFamily="18" charset="0"/>
-              </a:rPr>
-              <a:t>tương</a:t>
-            </a:r>
-            <a:r>
-              <a:rPr lang="en-US" dirty="0" smtClean="0">
-                <a:latin typeface="Cambria" panose="02040503050406030204" pitchFamily="18" charset="0"/>
-                <a:ea typeface="Cambria" panose="02040503050406030204" pitchFamily="18" charset="0"/>
-                <a:cs typeface="Times New Roman" panose="02020603050405020304" pitchFamily="18" charset="0"/>
-              </a:rPr>
-              <a:t> </a:t>
-            </a:r>
-            <a:r>
-              <a:rPr lang="en-US" dirty="0" err="1" smtClean="0">
-                <a:latin typeface="Cambria" panose="02040503050406030204" pitchFamily="18" charset="0"/>
-                <a:ea typeface="Cambria" panose="02040503050406030204" pitchFamily="18" charset="0"/>
-                <a:cs typeface="Times New Roman" panose="02020603050405020304" pitchFamily="18" charset="0"/>
-              </a:rPr>
-              <a:t>tác</a:t>
-            </a:r>
-            <a:r>
-              <a:rPr lang="en-US" dirty="0" smtClean="0">
-                <a:latin typeface="Cambria" panose="02040503050406030204" pitchFamily="18" charset="0"/>
-                <a:ea typeface="Cambria" panose="02040503050406030204" pitchFamily="18" charset="0"/>
-                <a:cs typeface="Times New Roman" panose="02020603050405020304" pitchFamily="18" charset="0"/>
-              </a:rPr>
-              <a:t>, </a:t>
-            </a:r>
-            <a:r>
-              <a:rPr lang="en-US" dirty="0" err="1" smtClean="0">
-                <a:latin typeface="Cambria" panose="02040503050406030204" pitchFamily="18" charset="0"/>
-                <a:ea typeface="Cambria" panose="02040503050406030204" pitchFamily="18" charset="0"/>
-                <a:cs typeface="Times New Roman" panose="02020603050405020304" pitchFamily="18" charset="0"/>
-              </a:rPr>
-              <a:t>đánh</a:t>
-            </a:r>
-            <a:r>
-              <a:rPr lang="en-US" dirty="0" smtClean="0">
-                <a:latin typeface="Cambria" panose="02040503050406030204" pitchFamily="18" charset="0"/>
-                <a:ea typeface="Cambria" panose="02040503050406030204" pitchFamily="18" charset="0"/>
-                <a:cs typeface="Times New Roman" panose="02020603050405020304" pitchFamily="18" charset="0"/>
-              </a:rPr>
-              <a:t> </a:t>
-            </a:r>
-            <a:r>
-              <a:rPr lang="en-US" dirty="0" err="1" smtClean="0">
-                <a:latin typeface="Cambria" panose="02040503050406030204" pitchFamily="18" charset="0"/>
-                <a:ea typeface="Cambria" panose="02040503050406030204" pitchFamily="18" charset="0"/>
-                <a:cs typeface="Times New Roman" panose="02020603050405020304" pitchFamily="18" charset="0"/>
-              </a:rPr>
-              <a:t>giá</a:t>
-            </a:r>
-            <a:r>
-              <a:rPr lang="en-US" dirty="0" smtClean="0">
-                <a:latin typeface="Cambria" panose="02040503050406030204" pitchFamily="18" charset="0"/>
-                <a:ea typeface="Cambria" panose="02040503050406030204" pitchFamily="18" charset="0"/>
-                <a:cs typeface="Times New Roman" panose="02020603050405020304" pitchFamily="18" charset="0"/>
-              </a:rPr>
-              <a:t>, </a:t>
-            </a:r>
-            <a:r>
-              <a:rPr lang="en-US" dirty="0" err="1" smtClean="0">
-                <a:latin typeface="Cambria" panose="02040503050406030204" pitchFamily="18" charset="0"/>
-                <a:ea typeface="Cambria" panose="02040503050406030204" pitchFamily="18" charset="0"/>
-                <a:cs typeface="Times New Roman" panose="02020603050405020304" pitchFamily="18" charset="0"/>
-              </a:rPr>
-              <a:t>bình</a:t>
-            </a:r>
-            <a:r>
-              <a:rPr lang="en-US" dirty="0" smtClean="0">
-                <a:latin typeface="Cambria" panose="02040503050406030204" pitchFamily="18" charset="0"/>
-                <a:ea typeface="Cambria" panose="02040503050406030204" pitchFamily="18" charset="0"/>
-                <a:cs typeface="Times New Roman" panose="02020603050405020304" pitchFamily="18" charset="0"/>
-              </a:rPr>
-              <a:t> </a:t>
-            </a:r>
-            <a:r>
-              <a:rPr lang="en-US" dirty="0" err="1" smtClean="0">
-                <a:latin typeface="Cambria" panose="02040503050406030204" pitchFamily="18" charset="0"/>
-                <a:ea typeface="Cambria" panose="02040503050406030204" pitchFamily="18" charset="0"/>
-                <a:cs typeface="Times New Roman" panose="02020603050405020304" pitchFamily="18" charset="0"/>
-              </a:rPr>
-              <a:t>luận</a:t>
-            </a:r>
-            <a:r>
-              <a:rPr lang="en-US" dirty="0" smtClean="0">
-                <a:latin typeface="Cambria" panose="02040503050406030204" pitchFamily="18" charset="0"/>
-                <a:ea typeface="Cambria" panose="02040503050406030204" pitchFamily="18" charset="0"/>
-                <a:cs typeface="Times New Roman" panose="02020603050405020304" pitchFamily="18" charset="0"/>
-              </a:rPr>
-              <a:t> </a:t>
-            </a:r>
-            <a:r>
-              <a:rPr lang="en-US" dirty="0" err="1" smtClean="0">
-                <a:latin typeface="Cambria" panose="02040503050406030204" pitchFamily="18" charset="0"/>
-                <a:ea typeface="Cambria" panose="02040503050406030204" pitchFamily="18" charset="0"/>
-                <a:cs typeface="Times New Roman" panose="02020603050405020304" pitchFamily="18" charset="0"/>
-              </a:rPr>
-              <a:t>của</a:t>
-            </a:r>
-            <a:r>
-              <a:rPr lang="en-US" dirty="0" smtClean="0">
-                <a:latin typeface="Cambria" panose="02040503050406030204" pitchFamily="18" charset="0"/>
-                <a:ea typeface="Cambria" panose="02040503050406030204" pitchFamily="18" charset="0"/>
-                <a:cs typeface="Times New Roman" panose="02020603050405020304" pitchFamily="18" charset="0"/>
-              </a:rPr>
-              <a:t> </a:t>
-            </a:r>
-            <a:r>
-              <a:rPr lang="en-US" dirty="0" err="1" smtClean="0">
-                <a:latin typeface="Cambria" panose="02040503050406030204" pitchFamily="18" charset="0"/>
-                <a:ea typeface="Cambria" panose="02040503050406030204" pitchFamily="18" charset="0"/>
-                <a:cs typeface="Times New Roman" panose="02020603050405020304" pitchFamily="18" charset="0"/>
-              </a:rPr>
-              <a:t>người</a:t>
-            </a:r>
-            <a:r>
-              <a:rPr lang="en-US" dirty="0" smtClean="0">
-                <a:latin typeface="Cambria" panose="02040503050406030204" pitchFamily="18" charset="0"/>
-                <a:ea typeface="Cambria" panose="02040503050406030204" pitchFamily="18" charset="0"/>
-                <a:cs typeface="Times New Roman" panose="02020603050405020304" pitchFamily="18" charset="0"/>
-              </a:rPr>
-              <a:t> </a:t>
-            </a:r>
-            <a:r>
-              <a:rPr lang="en-US" dirty="0" err="1" smtClean="0">
-                <a:latin typeface="Cambria" panose="02040503050406030204" pitchFamily="18" charset="0"/>
-                <a:ea typeface="Cambria" panose="02040503050406030204" pitchFamily="18" charset="0"/>
-                <a:cs typeface="Times New Roman" panose="02020603050405020304" pitchFamily="18" charset="0"/>
-              </a:rPr>
-              <a:t>dùng</a:t>
-            </a:r>
-            <a:endParaRPr lang="en-US" dirty="0" smtClean="0">
+              <a:t>Thêm phần thanh toán online, chọn ship</a:t>
+            </a:r>
+            <a:endParaRPr lang="en-US" dirty="0">
+              <a:solidFill>
+                <a:schemeClr val="bg1"/>
+              </a:solidFill>
               <a:latin typeface="Cambria" panose="02040503050406030204" pitchFamily="18" charset="0"/>
               <a:ea typeface="Cambria" panose="02040503050406030204" pitchFamily="18" charset="0"/>
-              <a:cs typeface="Times New Roman" panose="02020603050405020304" pitchFamily="18" charset="0"/>
-            </a:endParaRPr>
-          </a:p>
-          <a:p>
-            <a:pPr marL="285750" indent="-285750">
-              <a:buFont typeface="Arial" panose="020B0604020202020204" pitchFamily="34" charset="0"/>
-              <a:buChar char="•"/>
-            </a:pPr>
-            <a:r>
-              <a:rPr lang="en-US" dirty="0" smtClean="0">
-                <a:latin typeface="Cambria" panose="02040503050406030204" pitchFamily="18" charset="0"/>
-                <a:ea typeface="Cambria" panose="02040503050406030204" pitchFamily="18" charset="0"/>
-                <a:cs typeface="Times New Roman" panose="02020603050405020304" pitchFamily="18" charset="0"/>
-              </a:rPr>
-              <a:t>Thêm phần </a:t>
-            </a:r>
-            <a:r>
-              <a:rPr lang="en-US" dirty="0" smtClean="0">
-                <a:latin typeface="Cambria" panose="02040503050406030204" pitchFamily="18" charset="0"/>
-                <a:ea typeface="Cambria" panose="02040503050406030204" pitchFamily="18" charset="0"/>
-                <a:cs typeface="Times New Roman" panose="02020603050405020304" pitchFamily="18" charset="0"/>
-              </a:rPr>
-              <a:t>thanh toán online, chọn ship</a:t>
-            </a:r>
-            <a:endParaRPr lang="en-US" dirty="0">
-              <a:latin typeface="Cambria" panose="02040503050406030204" pitchFamily="18" charset="0"/>
-              <a:ea typeface="Cambria" panose="02040503050406030204" pitchFamily="18" charset="0"/>
-              <a:cs typeface="Times New Roman" panose="02020603050405020304" pitchFamily="18" charset="0"/>
             </a:endParaRPr>
           </a:p>
         </p:txBody>
@@ -17414,23 +17296,7 @@
                   <a:schemeClr val="tx1"/>
                 </a:solidFill>
               </a:rPr>
-              <a:t>Sơ </a:t>
-            </a:r>
-            <a:r>
-              <a:rPr lang="en-US" dirty="0" smtClean="0">
-                <a:solidFill>
-                  <a:schemeClr val="tx1"/>
-                </a:solidFill>
-              </a:rPr>
-              <a:t>đồ hệ thống </a:t>
-            </a:r>
-            <a:r>
-              <a:rPr lang="en-US" dirty="0" smtClean="0">
-                <a:solidFill>
-                  <a:schemeClr val="tx1"/>
-                </a:solidFill>
-              </a:rPr>
-              <a:t>website</a:t>
+              <a:t>Sơ đồ hệ thống website</a:t>
             </a:r>
             <a:endParaRPr lang="en-US" dirty="0">
               <a:solidFill>
@@ -18359,28 +18225,7 @@
                 <a:latin typeface="Times New Roman" panose="02020603050405020304" pitchFamily="18" charset="0"/>
                 <a:cs typeface="Times New Roman" panose="02020603050405020304" pitchFamily="18" charset="0"/>
               </a:rPr>
-              <a:t>2.3 </a:t>
-            </a:r>
-            <a:r>
-              <a:rPr lang="en-US" dirty="0" smtClean="0">
-                <a:latin typeface="Times New Roman" panose="02020603050405020304" pitchFamily="18" charset="0"/>
-                <a:cs typeface="Times New Roman" panose="02020603050405020304" pitchFamily="18" charset="0"/>
-              </a:rPr>
-              <a:t>Sơ đồ </a:t>
-            </a:r>
-            <a:r>
-              <a:rPr lang="en-US" dirty="0" smtClean="0">
-                <a:latin typeface="Times New Roman" panose="02020603050405020304" pitchFamily="18" charset="0"/>
-                <a:cs typeface="Times New Roman" panose="02020603050405020304" pitchFamily="18" charset="0"/>
-              </a:rPr>
-              <a:t>trang</a:t>
-            </a:r>
-            <a:r>
-              <a:rPr lang="en-US" dirty="0" smtClean="0">
-                <a:latin typeface="Times New Roman" panose="02020603050405020304" pitchFamily="18" charset="0"/>
-                <a:cs typeface="Times New Roman" panose="02020603050405020304" pitchFamily="18" charset="0"/>
-              </a:rPr>
-              <a:t> user</a:t>
+              <a:t>2.3 Sơ đồ trang user</a:t>
             </a:r>
             <a:endParaRPr lang="en-US" dirty="0">
               <a:latin typeface="Times New Roman" panose="02020603050405020304" pitchFamily="18" charset="0"/>
@@ -18433,15 +18278,7 @@
                   <a:schemeClr val="tx1"/>
                 </a:solidFill>
               </a:rPr>
-              <a:t>Sơ </a:t>
-            </a:r>
-            <a:r>
-              <a:rPr lang="en-US" dirty="0" smtClean="0">
-                <a:solidFill>
-                  <a:schemeClr val="tx1"/>
-                </a:solidFill>
-              </a:rPr>
-              <a:t>đồ trang user</a:t>
+              <a:t>Sơ đồ trang user</a:t>
             </a:r>
             <a:endParaRPr lang="en-US" dirty="0">
               <a:solidFill>
@@ -18805,14 +18642,14 @@
           <a:p>
             <a:pPr algn="ctr"/>
             <a:r>
-              <a:rPr lang="en-US" dirty="0" smtClean="0">
+              <a:rPr lang="en-US" sz="1600" dirty="0" smtClean="0">
                 <a:solidFill>
                   <a:schemeClr val="bg1"/>
                 </a:solidFill>
               </a:rPr>
               <a:t>Trang quản lý đơn hàng</a:t>
             </a:r>
-            <a:endParaRPr lang="en-US" dirty="0">
+            <a:endParaRPr lang="en-US" sz="1600" dirty="0">
               <a:solidFill>
                 <a:schemeClr val="bg1"/>
               </a:solidFill>
@@ -18865,14 +18702,14 @@
           <a:p>
             <a:pPr algn="ctr"/>
             <a:r>
-              <a:rPr lang="en-US" dirty="0" smtClean="0">
+              <a:rPr lang="en-US" sz="1600" dirty="0" smtClean="0">
                 <a:solidFill>
                   <a:schemeClr val="bg1"/>
                 </a:solidFill>
               </a:rPr>
               <a:t>Trang quản lý sản phẩm</a:t>
             </a:r>
-            <a:endParaRPr lang="en-US" dirty="0">
+            <a:endParaRPr lang="en-US" sz="1600" dirty="0">
               <a:solidFill>
                 <a:schemeClr val="bg1"/>
               </a:solidFill>
@@ -18925,14 +18762,14 @@
           <a:p>
             <a:pPr algn="ctr"/>
             <a:r>
-              <a:rPr lang="en-US" dirty="0" smtClean="0">
+              <a:rPr lang="en-US" sz="1600" dirty="0" smtClean="0">
                 <a:solidFill>
                   <a:schemeClr val="bg1"/>
                 </a:solidFill>
               </a:rPr>
               <a:t>Trang Chủ </a:t>
             </a:r>
-            <a:endParaRPr lang="en-US" dirty="0">
+            <a:endParaRPr lang="en-US" sz="1600" dirty="0">
               <a:solidFill>
                 <a:schemeClr val="bg1"/>
               </a:solidFill>
@@ -19063,21 +18900,7 @@
                 <a:latin typeface="Times New Roman" panose="02020603050405020304" pitchFamily="18" charset="0"/>
                 <a:cs typeface="Times New Roman" panose="02020603050405020304" pitchFamily="18" charset="0"/>
               </a:rPr>
-              <a:t>2.4 </a:t>
-            </a:r>
-            <a:r>
-              <a:rPr lang="en-US" dirty="0" smtClean="0">
-                <a:latin typeface="Times New Roman" panose="02020603050405020304" pitchFamily="18" charset="0"/>
-                <a:cs typeface="Times New Roman" panose="02020603050405020304" pitchFamily="18" charset="0"/>
-              </a:rPr>
-              <a:t>Sơ đồ </a:t>
-            </a:r>
-            <a:r>
-              <a:rPr lang="en-US" dirty="0" smtClean="0">
-                <a:latin typeface="Times New Roman" panose="02020603050405020304" pitchFamily="18" charset="0"/>
-                <a:cs typeface="Times New Roman" panose="02020603050405020304" pitchFamily="18" charset="0"/>
-              </a:rPr>
-              <a:t>trang admin</a:t>
+              <a:t>2.4 Sơ đồ trang admin</a:t>
             </a:r>
             <a:endParaRPr lang="en-US" dirty="0">
               <a:latin typeface="Times New Roman" panose="02020603050405020304" pitchFamily="18" charset="0"/>
@@ -19130,15 +18953,7 @@
                   <a:schemeClr val="tx1"/>
                 </a:solidFill>
               </a:rPr>
-              <a:t>Sơ </a:t>
-            </a:r>
-            <a:r>
-              <a:rPr lang="en-US" dirty="0" smtClean="0">
-                <a:solidFill>
-                  <a:schemeClr val="tx1"/>
-                </a:solidFill>
-              </a:rPr>
-              <a:t>đồ trang admin</a:t>
+              <a:t>Sơ đồ trang admin</a:t>
             </a:r>
             <a:endParaRPr lang="en-US" dirty="0">
               <a:solidFill>
@@ -19201,30 +19016,6 @@
           <a:chExt cx="0" cy="0"/>
         </a:xfrm>
       </p:grpSpPr>
-      <p:pic>
-        <p:nvPicPr>
-          <p:cNvPr id="4" name="Picture 3"/>
-          <p:cNvPicPr>
-            <a:picLocks noChangeAspect="1"/>
-          </p:cNvPicPr>
-          <p:nvPr/>
-        </p:nvPicPr>
-        <p:blipFill>
-          <a:blip r:embed="rId2"/>
-          <a:stretch>
-            <a:fillRect/>
-          </a:stretch>
-        </p:blipFill>
-        <p:spPr>
-          <a:xfrm>
-            <a:off x="1564178" y="1438859"/>
-            <a:ext cx="8859480" cy="4157933"/>
-          </a:xfrm>
-          <a:prstGeom prst="rect">
-            <a:avLst/>
-          </a:prstGeom>
-        </p:spPr>
-      </p:pic>
       <p:sp>
         <p:nvSpPr>
           <p:cNvPr id="5" name="Rectangle 4"/>
@@ -19268,21 +19059,7 @@
                 <a:latin typeface="Times New Roman" panose="02020603050405020304" pitchFamily="18" charset="0"/>
                 <a:cs typeface="Times New Roman" panose="02020603050405020304" pitchFamily="18" charset="0"/>
               </a:rPr>
-              <a:t>2.5 </a:t>
-            </a:r>
-            <a:r>
-              <a:rPr lang="en-US" dirty="0" smtClean="0">
-                <a:latin typeface="Times New Roman" panose="02020603050405020304" pitchFamily="18" charset="0"/>
-                <a:cs typeface="Times New Roman" panose="02020603050405020304" pitchFamily="18" charset="0"/>
-              </a:rPr>
-              <a:t>Sơ đồ </a:t>
-            </a:r>
-            <a:r>
-              <a:rPr lang="en-US" dirty="0" smtClean="0">
-                <a:latin typeface="Times New Roman" panose="02020603050405020304" pitchFamily="18" charset="0"/>
-                <a:cs typeface="Times New Roman" panose="02020603050405020304" pitchFamily="18" charset="0"/>
-              </a:rPr>
-              <a:t>Use-case user</a:t>
+              <a:t>2.5 Sơ đồ Use-case user</a:t>
             </a:r>
             <a:endParaRPr lang="en-US" dirty="0">
               <a:latin typeface="Times New Roman" panose="02020603050405020304" pitchFamily="18" charset="0"/>
@@ -19492,15 +19269,7 @@
                   <a:schemeClr val="tx1"/>
                 </a:solidFill>
               </a:rPr>
-              <a:t>Sơ </a:t>
-            </a:r>
-            <a:r>
-              <a:rPr lang="en-US" dirty="0" smtClean="0">
-                <a:solidFill>
-                  <a:schemeClr val="tx1"/>
-                </a:solidFill>
-              </a:rPr>
-              <a:t>đồ Use-case user</a:t>
+              <a:t>Sơ đồ Use-case user</a:t>
             </a:r>
             <a:endParaRPr lang="en-US" dirty="0">
               <a:solidFill>
@@ -19533,6 +19302,30 @@
           </a:p>
         </p:txBody>
       </p:sp>
+      <p:pic>
+        <p:nvPicPr>
+          <p:cNvPr id="2" name="Picture 1"/>
+          <p:cNvPicPr>
+            <a:picLocks noChangeAspect="1"/>
+          </p:cNvPicPr>
+          <p:nvPr/>
+        </p:nvPicPr>
+        <p:blipFill>
+          <a:blip r:embed="rId2"/>
+          <a:stretch>
+            <a:fillRect/>
+          </a:stretch>
+        </p:blipFill>
+        <p:spPr>
+          <a:xfrm>
+            <a:off x="1578634" y="1457864"/>
+            <a:ext cx="8816195" cy="4175185"/>
+          </a:xfrm>
+          <a:prstGeom prst="rect">
+            <a:avLst/>
+          </a:prstGeom>
+        </p:spPr>
+      </p:pic>
     </p:spTree>
     <p:extLst>
       <p:ext uri="{BB962C8B-B14F-4D97-AF65-F5344CB8AC3E}">
@@ -19563,30 +19356,6 @@
           <a:chExt cx="0" cy="0"/>
         </a:xfrm>
       </p:grpSpPr>
-      <p:pic>
-        <p:nvPicPr>
-          <p:cNvPr id="2" name="Picture 1"/>
-          <p:cNvPicPr>
-            <a:picLocks noChangeAspect="1"/>
-          </p:cNvPicPr>
-          <p:nvPr/>
-        </p:nvPicPr>
-        <p:blipFill>
-          <a:blip r:embed="rId2"/>
-          <a:stretch>
-            <a:fillRect/>
-          </a:stretch>
-        </p:blipFill>
-        <p:spPr>
-          <a:xfrm>
-            <a:off x="1933257" y="2331981"/>
-            <a:ext cx="8411749" cy="2953162"/>
-          </a:xfrm>
-          <a:prstGeom prst="rect">
-            <a:avLst/>
-          </a:prstGeom>
-        </p:spPr>
-      </p:pic>
       <p:sp>
         <p:nvSpPr>
           <p:cNvPr id="3" name="Rectangle 2"/>
@@ -19630,21 +19399,7 @@
                 <a:latin typeface="Times New Roman" panose="02020603050405020304" pitchFamily="18" charset="0"/>
                 <a:cs typeface="Times New Roman" panose="02020603050405020304" pitchFamily="18" charset="0"/>
               </a:rPr>
-              <a:t>2.6 </a:t>
-            </a:r>
-            <a:r>
-              <a:rPr lang="en-US" dirty="0" smtClean="0">
-                <a:latin typeface="Times New Roman" panose="02020603050405020304" pitchFamily="18" charset="0"/>
-                <a:cs typeface="Times New Roman" panose="02020603050405020304" pitchFamily="18" charset="0"/>
-              </a:rPr>
-              <a:t>Sơ đồ </a:t>
-            </a:r>
-            <a:r>
-              <a:rPr lang="en-US" dirty="0" smtClean="0">
-                <a:latin typeface="Times New Roman" panose="02020603050405020304" pitchFamily="18" charset="0"/>
-                <a:cs typeface="Times New Roman" panose="02020603050405020304" pitchFamily="18" charset="0"/>
-              </a:rPr>
-              <a:t>Use-case Admin</a:t>
+              <a:t>2.6 Sơ đồ Use-case Admin</a:t>
             </a:r>
             <a:endParaRPr lang="en-US" dirty="0">
               <a:latin typeface="Times New Roman" panose="02020603050405020304" pitchFamily="18" charset="0"/>
@@ -19854,15 +19609,7 @@
                   <a:schemeClr val="tx1"/>
                 </a:solidFill>
               </a:rPr>
-              <a:t>Sơ </a:t>
-            </a:r>
-            <a:r>
-              <a:rPr lang="en-US" dirty="0" smtClean="0">
-                <a:solidFill>
-                  <a:schemeClr val="tx1"/>
-                </a:solidFill>
-              </a:rPr>
-              <a:t>đồ Use-case Admin</a:t>
+              <a:t>Sơ đồ Use-case Admin</a:t>
             </a:r>
             <a:endParaRPr lang="en-US" dirty="0">
               <a:solidFill>
@@ -19895,6 +19642,30 @@
           </a:p>
         </p:txBody>
       </p:sp>
+      <p:pic>
+        <p:nvPicPr>
+          <p:cNvPr id="7" name="Picture 6"/>
+          <p:cNvPicPr>
+            <a:picLocks noChangeAspect="1"/>
+          </p:cNvPicPr>
+          <p:nvPr/>
+        </p:nvPicPr>
+        <p:blipFill>
+          <a:blip r:embed="rId2"/>
+          <a:stretch>
+            <a:fillRect/>
+          </a:stretch>
+        </p:blipFill>
+        <p:spPr>
+          <a:xfrm>
+            <a:off x="1906438" y="1828799"/>
+            <a:ext cx="8186468" cy="3677159"/>
+          </a:xfrm>
+          <a:prstGeom prst="rect">
+            <a:avLst/>
+          </a:prstGeom>
+        </p:spPr>
+      </p:pic>
     </p:spTree>
     <p:extLst>
       <p:ext uri="{BB962C8B-B14F-4D97-AF65-F5344CB8AC3E}">
